--- a/Team Alpha User Flow Presentation.pptx
+++ b/Team Alpha User Flow Presentation.pptx
@@ -10,8 +10,8 @@
   <p:sldIdLst>
     <p:sldId id="257" r:id="rId2"/>
     <p:sldId id="260" r:id="rId3"/>
-    <p:sldId id="279" r:id="rId4"/>
-    <p:sldId id="278" r:id="rId5"/>
+    <p:sldId id="278" r:id="rId4"/>
+    <p:sldId id="279" r:id="rId5"/>
     <p:sldId id="287" r:id="rId6"/>
     <p:sldId id="277" r:id="rId7"/>
   </p:sldIdLst>
@@ -129,6 +129,15 @@
     </p:ext>
   </p:extLst>
 </p:presentation>
+</file>
+
+<file path=ppt/revisionInfo.xml><?xml version="1.0" encoding="utf-8"?>
+<p1510:revInfo xmlns:a="http://schemas.openxmlformats.org/drawingml/2006/main" xmlns:r="http://schemas.openxmlformats.org/officeDocument/2006/relationships" xmlns:p1510="http://schemas.microsoft.com/office/powerpoint/2015/10/main">
+  <p1510:revLst>
+    <p1510:client id="{4EFEB0F4-CD90-40BD-8CE3-E3ECB40D4F31}" v="69" dt="2022-04-05T08:22:32.757"/>
+    <p1510:client id="{F055C37D-FB3D-4CEA-831D-A5FDF9904291}" v="21" dt="2022-04-05T08:25:24.911"/>
+  </p1510:revLst>
+</p1510:revInfo>
 </file>
 
 <file path=ppt/notesMasters/notesMaster1.xml><?xml version="1.0" encoding="utf-8"?>
@@ -608,24 +617,7 @@
           <a:bodyPr/>
           <a:lstStyle/>
           <a:p>
-            <a:r>
-              <a:rPr lang="en-US" b="0" dirty="0"/>
-              <a:t>This slide is</a:t>
-            </a:r>
-            <a:r>
-              <a:rPr lang="en-US" b="0" baseline="0" dirty="0"/>
-              <a:t> only for the trainer… You can display the poll from GTM and after the poll is taken, share the result, connect the poll result with the topic. Once done, you can hide the poll so that the PPT is visible. </a:t>
-            </a:r>
-          </a:p>
-          <a:p>
-            <a:endParaRPr lang="en-US" b="0" baseline="0" dirty="0"/>
-          </a:p>
-          <a:p>
-            <a:r>
-              <a:rPr lang="en-US" b="0" baseline="0" dirty="0"/>
-              <a:t>I have created the poll in the GTM webinar.</a:t>
-            </a:r>
-            <a:endParaRPr lang="en-US" b="0" dirty="0"/>
+            <a:endParaRPr lang="en-US" b="1" dirty="0"/>
           </a:p>
         </p:txBody>
       </p:sp>
@@ -655,7 +647,7 @@
     </p:spTree>
     <p:extLst>
       <p:ext uri="{BB962C8B-B14F-4D97-AF65-F5344CB8AC3E}">
-        <p14:creationId xmlns:p14="http://schemas.microsoft.com/office/powerpoint/2010/main" val="2169763127"/>
+        <p14:creationId xmlns:p14="http://schemas.microsoft.com/office/powerpoint/2010/main" val="2222335728"/>
       </p:ext>
     </p:extLst>
   </p:cSld>
@@ -709,7 +701,24 @@
           <a:bodyPr/>
           <a:lstStyle/>
           <a:p>
-            <a:endParaRPr lang="en-US" b="1" dirty="0"/>
+            <a:r>
+              <a:rPr lang="en-US" b="0" dirty="0"/>
+              <a:t>This slide is</a:t>
+            </a:r>
+            <a:r>
+              <a:rPr lang="en-US" b="0" baseline="0" dirty="0"/>
+              <a:t> only for the trainer… You can display the poll from GTM and after the poll is taken, share the result, connect the poll result with the topic. Once done, you can hide the poll so that the PPT is visible. </a:t>
+            </a:r>
+          </a:p>
+          <a:p>
+            <a:endParaRPr lang="en-US" b="0" baseline="0" dirty="0"/>
+          </a:p>
+          <a:p>
+            <a:r>
+              <a:rPr lang="en-US" b="0" baseline="0" dirty="0"/>
+              <a:t>I have created the poll in the GTM webinar.</a:t>
+            </a:r>
+            <a:endParaRPr lang="en-US" b="0" dirty="0"/>
           </a:p>
         </p:txBody>
       </p:sp>
@@ -730,7 +739,7 @@
           <a:p>
             <a:fld id="{D2CE19CD-2A84-A345-96E6-222E4F41D16D}" type="slidenum">
               <a:rPr lang="pl-PL" smtClean="0"/>
-              <a:t>4</a:t>
+              <a:t>5</a:t>
             </a:fld>
             <a:endParaRPr lang="pl-PL"/>
           </a:p>
@@ -739,7 +748,7 @@
     </p:spTree>
     <p:extLst>
       <p:ext uri="{BB962C8B-B14F-4D97-AF65-F5344CB8AC3E}">
-        <p14:creationId xmlns:p14="http://schemas.microsoft.com/office/powerpoint/2010/main" val="2222335728"/>
+        <p14:creationId xmlns:p14="http://schemas.microsoft.com/office/powerpoint/2010/main" val="2169763127"/>
       </p:ext>
     </p:extLst>
   </p:cSld>
@@ -5197,13 +5206,13 @@
   <p:clrMapOvr>
     <a:masterClrMapping/>
   </p:clrMapOvr>
-  <mc:AlternateContent xmlns:mc="http://schemas.openxmlformats.org/markup-compatibility/2006">
-    <mc:Choice xmlns:p15="http://schemas.microsoft.com/office/powerpoint/2012/main" Requires="p15">
+  <mc:AlternateContent xmlns:mc="http://schemas.openxmlformats.org/markup-compatibility/2006" xmlns:p15="http://schemas.microsoft.com/office/powerpoint/2012/main">
+    <mc:Choice Requires="p15">
       <p:transition xmlns:p14="http://schemas.microsoft.com/office/powerpoint/2010/main" spd="slow" p14:dur="1250">
         <p15:prstTrans prst="pageCurlDouble"/>
       </p:transition>
     </mc:Choice>
-    <mc:Fallback>
+    <mc:Fallback xmlns="">
       <p:transition spd="slow">
         <p:fade/>
       </p:transition>
@@ -5275,7 +5284,7 @@
         <p:spPr>
           <a:xfrm>
             <a:off x="4192580" y="2056048"/>
-            <a:ext cx="5366814" cy="1938992"/>
+            <a:ext cx="5366814" cy="1200329"/>
           </a:xfrm>
           <a:prstGeom prst="rect">
             <a:avLst/>
@@ -5292,6 +5301,30 @@
           <a:lstStyle/>
           <a:p>
             <a:pPr marL="457200" indent="-457200">
+              <a:buFont typeface="Arial,Sans-Serif"/>
+              <a:buChar char="•"/>
+            </a:pPr>
+            <a:r>
+              <a:rPr lang="en-GB" sz="2400" dirty="0">
+                <a:ea typeface="+mn-lt"/>
+                <a:cs typeface="+mn-lt"/>
+              </a:rPr>
+              <a:t>Talent Acquisition </a:t>
+            </a:r>
+            <a:r>
+              <a:rPr lang="en-US" sz="2400" dirty="0">
+                <a:ea typeface="+mn-lt"/>
+                <a:cs typeface="+mn-lt"/>
+              </a:rPr>
+              <a:t>Coordinator </a:t>
+            </a:r>
+            <a:endParaRPr lang="en-GB" sz="2400" dirty="0">
+              <a:ea typeface="+mn-lt"/>
+              <a:cs typeface="+mn-lt"/>
+            </a:endParaRPr>
+          </a:p>
+          <a:p>
+            <a:pPr marL="457200" indent="-457200">
               <a:buFont typeface="Arial"/>
               <a:buChar char="•"/>
             </a:pPr>
@@ -5301,46 +5334,7 @@
               </a:rPr>
               <a:t>Project Manager</a:t>
             </a:r>
-            <a:endParaRPr lang="en-US" sz="2400">
-              <a:cs typeface="Calibri"/>
-            </a:endParaRPr>
-          </a:p>
-          <a:p>
-            <a:pPr marL="457200" indent="-457200">
-              <a:buFont typeface="Arial"/>
-              <a:buChar char="•"/>
-            </a:pPr>
-            <a:endParaRPr lang="en-GB" sz="2400" dirty="0">
-              <a:cs typeface="Calibri"/>
-            </a:endParaRPr>
-          </a:p>
-          <a:p>
-            <a:pPr marL="457200" indent="-457200">
-              <a:buFont typeface="Arial"/>
-              <a:buChar char="•"/>
-            </a:pPr>
-            <a:r>
-              <a:rPr lang="en-GB" sz="2400" dirty="0">
-                <a:cs typeface="Calibri"/>
-              </a:rPr>
-              <a:t>Talent Acquisition </a:t>
-            </a:r>
-            <a:r>
-              <a:rPr lang="en-US" sz="2400" dirty="0">
-                <a:cs typeface="Calibri"/>
-              </a:rPr>
-              <a:t>Coordinator </a:t>
-            </a:r>
-            <a:endParaRPr lang="en-GB" sz="2400" dirty="0">
-              <a:cs typeface="Calibri"/>
-            </a:endParaRPr>
-          </a:p>
-          <a:p>
-            <a:pPr marL="457200" indent="-457200">
-              <a:buFont typeface="Arial"/>
-              <a:buChar char="•"/>
-            </a:pPr>
-            <a:endParaRPr lang="en-GB" sz="2400" dirty="0">
+            <a:endParaRPr lang="en-US" sz="2400" dirty="0">
               <a:cs typeface="Calibri"/>
             </a:endParaRPr>
           </a:p>
@@ -5368,13 +5362,13 @@
   <p:clrMapOvr>
     <a:masterClrMapping/>
   </p:clrMapOvr>
-  <mc:AlternateContent xmlns:mc="http://schemas.openxmlformats.org/markup-compatibility/2006">
-    <mc:Choice xmlns:p14="http://schemas.microsoft.com/office/powerpoint/2010/main" Requires="p14">
+  <mc:AlternateContent xmlns:mc="http://schemas.openxmlformats.org/markup-compatibility/2006" xmlns:p14="http://schemas.microsoft.com/office/powerpoint/2010/main">
+    <mc:Choice Requires="p14">
       <p:transition spd="med" p14:dur="700">
         <p:fade/>
       </p:transition>
     </mc:Choice>
-    <mc:Fallback>
+    <mc:Fallback xmlns="">
       <p:transition spd="med">
         <p:fade/>
       </p:transition>
@@ -5425,205 +5419,117 @@
                 <a:latin typeface="Calibri"/>
                 <a:cs typeface="Calibri"/>
               </a:rPr>
-              <a:t>Project Manager Flow :</a:t>
-            </a:r>
-            <a:endParaRPr lang="en-US" sz="2900" dirty="0"/>
-          </a:p>
-        </p:txBody>
-      </p:sp>
-      <p:sp>
-        <p:nvSpPr>
-          <p:cNvPr id="6" name="Content Placeholder 2">
-            <a:extLst>
-              <a:ext uri="{FF2B5EF4-FFF2-40B4-BE49-F238E27FC236}">
-                <a16:creationId xmlns:a16="http://schemas.microsoft.com/office/drawing/2014/main" id="{98FB0418-E780-EE4D-BEE1-3E357C171D43}"/>
-              </a:ext>
-            </a:extLst>
-          </p:cNvPr>
-          <p:cNvSpPr txBox="1">
-            <a:spLocks/>
-          </p:cNvSpPr>
+              <a:t>Talent </a:t>
+            </a:r>
+            <a:r>
+              <a:rPr lang="en-US" sz="2900">
+                <a:latin typeface="Calibri"/>
+                <a:cs typeface="Calibri"/>
+              </a:rPr>
+              <a:t>Acquistion coordinator Flow </a:t>
+            </a:r>
+            <a:r>
+              <a:rPr lang="en-US" sz="2900" dirty="0">
+                <a:latin typeface="Calibri"/>
+                <a:cs typeface="Calibri"/>
+              </a:rPr>
+              <a:t>:</a:t>
+            </a:r>
+            <a:endParaRPr lang="en-US" sz="2933" dirty="0"/>
+          </a:p>
+        </p:txBody>
+      </p:sp>
+      <p:pic>
+        <p:nvPicPr>
+          <p:cNvPr id="8" name="Picture 10">
+            <a:extLst>
+              <a:ext uri="{FF2B5EF4-FFF2-40B4-BE49-F238E27FC236}">
+                <a16:creationId xmlns:a16="http://schemas.microsoft.com/office/drawing/2014/main" id="{D65111A2-0271-5DAA-C051-9A91760B75CC}"/>
+              </a:ext>
+            </a:extLst>
+          </p:cNvPr>
+          <p:cNvPicPr>
+            <a:picLocks noChangeAspect="1"/>
+          </p:cNvPicPr>
           <p:nvPr/>
-        </p:nvSpPr>
+        </p:nvPicPr>
+        <p:blipFill>
+          <a:blip r:embed="rId3"/>
+          <a:stretch>
+            <a:fillRect/>
+          </a:stretch>
+        </p:blipFill>
         <p:spPr>
           <a:xfrm>
-            <a:off x="3543646" y="1683941"/>
-            <a:ext cx="7429154" cy="3446525"/>
+            <a:off x="889099" y="1407192"/>
+            <a:ext cx="8688307" cy="4547810"/>
           </a:xfrm>
           <a:prstGeom prst="rect">
             <a:avLst/>
           </a:prstGeom>
         </p:spPr>
-        <p:txBody>
-          <a:bodyPr anchor="ctr">
-            <a:normAutofit/>
-          </a:bodyPr>
-          <a:lstStyle>
-            <a:lvl1pPr marL="340139" indent="-340139" algn="l" defTabSz="1360557" rtl="0" eaLnBrk="1" latinLnBrk="0" hangingPunct="1">
-              <a:lnSpc>
-                <a:spcPct val="90000"/>
-              </a:lnSpc>
-              <a:spcBef>
-                <a:spcPts val="1488"/>
-              </a:spcBef>
-              <a:buFont typeface="Arial" panose="020B0604020202020204" pitchFamily="34" charset="0"/>
-              <a:buChar char="•"/>
-              <a:defRPr sz="4100" kern="1200">
-                <a:solidFill>
-                  <a:schemeClr val="tx1"/>
-                </a:solidFill>
-                <a:latin typeface="+mn-lt"/>
-                <a:ea typeface="+mn-ea"/>
-                <a:cs typeface="+mn-cs"/>
-              </a:defRPr>
-            </a:lvl1pPr>
-            <a:lvl2pPr marL="1020418" indent="-340139" algn="l" defTabSz="1360557" rtl="0" eaLnBrk="1" latinLnBrk="0" hangingPunct="1">
-              <a:lnSpc>
-                <a:spcPct val="90000"/>
-              </a:lnSpc>
-              <a:spcBef>
-                <a:spcPts val="744"/>
-              </a:spcBef>
-              <a:buFont typeface="Arial" panose="020B0604020202020204" pitchFamily="34" charset="0"/>
-              <a:buChar char="•"/>
-              <a:defRPr sz="3600" kern="1200">
-                <a:solidFill>
-                  <a:schemeClr val="tx1"/>
-                </a:solidFill>
-                <a:latin typeface="+mn-lt"/>
-                <a:ea typeface="+mn-ea"/>
-                <a:cs typeface="+mn-cs"/>
-              </a:defRPr>
-            </a:lvl2pPr>
-            <a:lvl3pPr marL="1700696" indent="-340139" algn="l" defTabSz="1360557" rtl="0" eaLnBrk="1" latinLnBrk="0" hangingPunct="1">
-              <a:lnSpc>
-                <a:spcPct val="90000"/>
-              </a:lnSpc>
-              <a:spcBef>
-                <a:spcPts val="744"/>
-              </a:spcBef>
-              <a:buFont typeface="Arial" panose="020B0604020202020204" pitchFamily="34" charset="0"/>
-              <a:buChar char="•"/>
-              <a:defRPr sz="3000" kern="1200">
-                <a:solidFill>
-                  <a:schemeClr val="tx1"/>
-                </a:solidFill>
-                <a:latin typeface="+mn-lt"/>
-                <a:ea typeface="+mn-ea"/>
-                <a:cs typeface="+mn-cs"/>
-              </a:defRPr>
-            </a:lvl3pPr>
-            <a:lvl4pPr marL="2380974" indent="-340139" algn="l" defTabSz="1360557" rtl="0" eaLnBrk="1" latinLnBrk="0" hangingPunct="1">
-              <a:lnSpc>
-                <a:spcPct val="90000"/>
-              </a:lnSpc>
-              <a:spcBef>
-                <a:spcPts val="744"/>
-              </a:spcBef>
-              <a:buFont typeface="Arial" panose="020B0604020202020204" pitchFamily="34" charset="0"/>
-              <a:buChar char="•"/>
-              <a:defRPr sz="2700" kern="1200">
-                <a:solidFill>
-                  <a:schemeClr val="tx1"/>
-                </a:solidFill>
-                <a:latin typeface="+mn-lt"/>
-                <a:ea typeface="+mn-ea"/>
-                <a:cs typeface="+mn-cs"/>
-              </a:defRPr>
-            </a:lvl4pPr>
-            <a:lvl5pPr marL="3061253" indent="-340139" algn="l" defTabSz="1360557" rtl="0" eaLnBrk="1" latinLnBrk="0" hangingPunct="1">
-              <a:lnSpc>
-                <a:spcPct val="90000"/>
-              </a:lnSpc>
-              <a:spcBef>
-                <a:spcPts val="744"/>
-              </a:spcBef>
-              <a:buFont typeface="Arial" panose="020B0604020202020204" pitchFamily="34" charset="0"/>
-              <a:buChar char="•"/>
-              <a:defRPr sz="2700" kern="1200">
-                <a:solidFill>
-                  <a:schemeClr val="tx1"/>
-                </a:solidFill>
-                <a:latin typeface="+mn-lt"/>
-                <a:ea typeface="+mn-ea"/>
-                <a:cs typeface="+mn-cs"/>
-              </a:defRPr>
-            </a:lvl5pPr>
-            <a:lvl6pPr marL="3741531" indent="-340139" algn="l" defTabSz="1360557" rtl="0" eaLnBrk="1" latinLnBrk="0" hangingPunct="1">
-              <a:lnSpc>
-                <a:spcPct val="90000"/>
-              </a:lnSpc>
-              <a:spcBef>
-                <a:spcPts val="744"/>
-              </a:spcBef>
-              <a:buFont typeface="Arial" panose="020B0604020202020204" pitchFamily="34" charset="0"/>
-              <a:buChar char="•"/>
-              <a:defRPr sz="2700" kern="1200">
-                <a:solidFill>
-                  <a:schemeClr val="tx1"/>
-                </a:solidFill>
-                <a:latin typeface="+mn-lt"/>
-                <a:ea typeface="+mn-ea"/>
-                <a:cs typeface="+mn-cs"/>
-              </a:defRPr>
-            </a:lvl6pPr>
-            <a:lvl7pPr marL="4421811" indent="-340139" algn="l" defTabSz="1360557" rtl="0" eaLnBrk="1" latinLnBrk="0" hangingPunct="1">
-              <a:lnSpc>
-                <a:spcPct val="90000"/>
-              </a:lnSpc>
-              <a:spcBef>
-                <a:spcPts val="744"/>
-              </a:spcBef>
-              <a:buFont typeface="Arial" panose="020B0604020202020204" pitchFamily="34" charset="0"/>
-              <a:buChar char="•"/>
-              <a:defRPr sz="2700" kern="1200">
-                <a:solidFill>
-                  <a:schemeClr val="tx1"/>
-                </a:solidFill>
-                <a:latin typeface="+mn-lt"/>
-                <a:ea typeface="+mn-ea"/>
-                <a:cs typeface="+mn-cs"/>
-              </a:defRPr>
-            </a:lvl7pPr>
-            <a:lvl8pPr marL="5102089" indent="-340139" algn="l" defTabSz="1360557" rtl="0" eaLnBrk="1" latinLnBrk="0" hangingPunct="1">
-              <a:lnSpc>
-                <a:spcPct val="90000"/>
-              </a:lnSpc>
-              <a:spcBef>
-                <a:spcPts val="744"/>
-              </a:spcBef>
-              <a:buFont typeface="Arial" panose="020B0604020202020204" pitchFamily="34" charset="0"/>
-              <a:buChar char="•"/>
-              <a:defRPr sz="2700" kern="1200">
-                <a:solidFill>
-                  <a:schemeClr val="tx1"/>
-                </a:solidFill>
-                <a:latin typeface="+mn-lt"/>
-                <a:ea typeface="+mn-ea"/>
-                <a:cs typeface="+mn-cs"/>
-              </a:defRPr>
-            </a:lvl8pPr>
-            <a:lvl9pPr marL="5782367" indent="-340139" algn="l" defTabSz="1360557" rtl="0" eaLnBrk="1" latinLnBrk="0" hangingPunct="1">
-              <a:lnSpc>
-                <a:spcPct val="90000"/>
-              </a:lnSpc>
-              <a:spcBef>
-                <a:spcPts val="744"/>
-              </a:spcBef>
-              <a:buFont typeface="Arial" panose="020B0604020202020204" pitchFamily="34" charset="0"/>
-              <a:buChar char="•"/>
-              <a:defRPr sz="2700" kern="1200">
-                <a:solidFill>
-                  <a:schemeClr val="tx1"/>
-                </a:solidFill>
-                <a:latin typeface="+mn-lt"/>
-                <a:ea typeface="+mn-ea"/>
-                <a:cs typeface="+mn-cs"/>
-              </a:defRPr>
-            </a:lvl9pPr>
-          </a:lstStyle>
-          <a:p>
-            <a:endParaRPr lang="en-US" sz="1333" dirty="0"/>
+      </p:pic>
+    </p:spTree>
+    <p:extLst>
+      <p:ext uri="{BB962C8B-B14F-4D97-AF65-F5344CB8AC3E}">
+        <p14:creationId xmlns:p14="http://schemas.microsoft.com/office/powerpoint/2010/main" val="1917251404"/>
+      </p:ext>
+    </p:extLst>
+  </p:cSld>
+  <p:clrMapOvr>
+    <a:masterClrMapping/>
+  </p:clrMapOvr>
+  <p:transition spd="slow">
+    <p:wipe/>
+  </p:transition>
+</p:sld>
+</file>
+
+<file path=ppt/slides/slide4.xml><?xml version="1.0" encoding="utf-8"?>
+<p:sld xmlns:a="http://schemas.openxmlformats.org/drawingml/2006/main" xmlns:r="http://schemas.openxmlformats.org/officeDocument/2006/relationships" xmlns:p="http://schemas.openxmlformats.org/presentationml/2006/main">
+  <p:cSld>
+    <p:spTree>
+      <p:nvGrpSpPr>
+        <p:cNvPr id="1" name=""/>
+        <p:cNvGrpSpPr/>
+        <p:nvPr/>
+      </p:nvGrpSpPr>
+      <p:grpSpPr>
+        <a:xfrm>
+          <a:off x="0" y="0"/>
+          <a:ext cx="0" cy="0"/>
+          <a:chOff x="0" y="0"/>
+          <a:chExt cx="0" cy="0"/>
+        </a:xfrm>
+      </p:grpSpPr>
+      <p:sp>
+        <p:nvSpPr>
+          <p:cNvPr id="2" name="Title 1"/>
+          <p:cNvSpPr>
+            <a:spLocks noGrp="1"/>
+          </p:cNvSpPr>
+          <p:nvPr>
+            <p:ph type="title"/>
+          </p:nvPr>
+        </p:nvSpPr>
+        <p:spPr>
+          <a:xfrm>
+            <a:off x="534197" y="609626"/>
+            <a:ext cx="10645935" cy="497791"/>
+          </a:xfrm>
+        </p:spPr>
+        <p:txBody>
+          <a:bodyPr/>
+          <a:lstStyle/>
+          <a:p>
+            <a:r>
+              <a:rPr lang="en-US" sz="2900" dirty="0">
+                <a:latin typeface="Calibri"/>
+                <a:cs typeface="Calibri"/>
+              </a:rPr>
+              <a:t>Project Manager Flow :</a:t>
+            </a:r>
+            <a:endParaRPr lang="en-US" sz="2900" dirty="0"/>
           </a:p>
         </p:txBody>
       </p:sp>
@@ -5691,1087 +5597,40 @@
           </a:p>
         </p:txBody>
       </p:sp>
-      <p:sp>
-        <p:nvSpPr>
-          <p:cNvPr id="4" name="Rectangle: Rounded Corners 3">
-            <a:extLst>
-              <a:ext uri="{FF2B5EF4-FFF2-40B4-BE49-F238E27FC236}">
-                <a16:creationId xmlns:a16="http://schemas.microsoft.com/office/drawing/2014/main" id="{3E4647DD-54A6-66A9-9BCE-608B0B89EB95}"/>
-              </a:ext>
-            </a:extLst>
-          </p:cNvPr>
-          <p:cNvSpPr/>
+      <p:pic>
+        <p:nvPicPr>
+          <p:cNvPr id="12" name="Picture 15">
+            <a:extLst>
+              <a:ext uri="{FF2B5EF4-FFF2-40B4-BE49-F238E27FC236}">
+                <a16:creationId xmlns:a16="http://schemas.microsoft.com/office/drawing/2014/main" id="{128C3B84-6EB6-23F2-6D22-1AE27EA92338}"/>
+              </a:ext>
+            </a:extLst>
+          </p:cNvPr>
+          <p:cNvPicPr>
+            <a:picLocks noChangeAspect="1"/>
+          </p:cNvPicPr>
           <p:nvPr/>
-        </p:nvSpPr>
+        </p:nvPicPr>
+        <p:blipFill>
+          <a:blip r:embed="rId3"/>
+          <a:stretch>
+            <a:fillRect/>
+          </a:stretch>
+        </p:blipFill>
         <p:spPr>
           <a:xfrm>
-            <a:off x="845784" y="1683941"/>
-            <a:ext cx="1984074" cy="1006414"/>
-          </a:xfrm>
-          <a:prstGeom prst="roundRect">
-            <a:avLst/>
-          </a:prstGeom>
-          <a:solidFill>
-            <a:srgbClr val="7030A0"/>
-          </a:solidFill>
-        </p:spPr>
-        <p:style>
-          <a:lnRef idx="2">
-            <a:schemeClr val="accent1">
-              <a:shade val="50000"/>
-            </a:schemeClr>
-          </a:lnRef>
-          <a:fillRef idx="1">
-            <a:schemeClr val="accent1"/>
-          </a:fillRef>
-          <a:effectRef idx="0">
-            <a:schemeClr val="accent1"/>
-          </a:effectRef>
-          <a:fontRef idx="minor">
-            <a:schemeClr val="lt1"/>
-          </a:fontRef>
-        </p:style>
-        <p:txBody>
-          <a:bodyPr rtlCol="0" anchor="ctr"/>
-          <a:lstStyle/>
-          <a:p>
-            <a:pPr algn="ctr"/>
-            <a:r>
-              <a:rPr lang="en-US"/>
-              <a:t>LOGIN </a:t>
-            </a:r>
-            <a:endParaRPr lang="en-GB"/>
-          </a:p>
-        </p:txBody>
-      </p:sp>
-      <p:sp>
-        <p:nvSpPr>
-          <p:cNvPr id="5" name="Rectangle: Rounded Corners 4">
-            <a:extLst>
-              <a:ext uri="{FF2B5EF4-FFF2-40B4-BE49-F238E27FC236}">
-                <a16:creationId xmlns:a16="http://schemas.microsoft.com/office/drawing/2014/main" id="{B811F832-4721-AFD7-A6FD-DE6DBF7A95CC}"/>
-              </a:ext>
-            </a:extLst>
-          </p:cNvPr>
-          <p:cNvSpPr/>
-          <p:nvPr/>
-        </p:nvSpPr>
-        <p:spPr>
-          <a:xfrm>
-            <a:off x="4169435" y="1676752"/>
-            <a:ext cx="3450565" cy="1046396"/>
-          </a:xfrm>
-          <a:prstGeom prst="roundRect">
-            <a:avLst/>
-          </a:prstGeom>
-          <a:solidFill>
-            <a:srgbClr val="7030A0"/>
-          </a:solidFill>
-        </p:spPr>
-        <p:style>
-          <a:lnRef idx="2">
-            <a:schemeClr val="accent1">
-              <a:shade val="50000"/>
-            </a:schemeClr>
-          </a:lnRef>
-          <a:fillRef idx="1">
-            <a:schemeClr val="accent1"/>
-          </a:fillRef>
-          <a:effectRef idx="0">
-            <a:schemeClr val="accent1"/>
-          </a:effectRef>
-          <a:fontRef idx="minor">
-            <a:schemeClr val="lt1"/>
-          </a:fontRef>
-        </p:style>
-        <p:txBody>
-          <a:bodyPr rtlCol="0" anchor="ctr"/>
-          <a:lstStyle/>
-          <a:p>
-            <a:pPr algn="ctr"/>
-            <a:r>
-              <a:rPr lang="en-US"/>
-              <a:t>IF THERE IS ANY DRIVE , HE’LL RESPOND TO THE NOTIFICATION.</a:t>
-            </a:r>
-            <a:endParaRPr lang="en-GB"/>
-          </a:p>
-        </p:txBody>
-      </p:sp>
-      <p:sp>
-        <p:nvSpPr>
-          <p:cNvPr id="7" name="Rectangle: Rounded Corners 6">
-            <a:extLst>
-              <a:ext uri="{FF2B5EF4-FFF2-40B4-BE49-F238E27FC236}">
-                <a16:creationId xmlns:a16="http://schemas.microsoft.com/office/drawing/2014/main" id="{6AD319EC-9E89-C7ED-9D38-D9D8DBFC1712}"/>
-              </a:ext>
-            </a:extLst>
-          </p:cNvPr>
-          <p:cNvSpPr/>
-          <p:nvPr/>
-        </p:nvSpPr>
-        <p:spPr>
-          <a:xfrm>
-            <a:off x="8340938" y="1725260"/>
-            <a:ext cx="3145357" cy="965095"/>
-          </a:xfrm>
-          <a:prstGeom prst="roundRect">
-            <a:avLst/>
-          </a:prstGeom>
-          <a:solidFill>
-            <a:srgbClr val="7030A0"/>
-          </a:solidFill>
-        </p:spPr>
-        <p:style>
-          <a:lnRef idx="2">
-            <a:schemeClr val="accent1">
-              <a:shade val="50000"/>
-            </a:schemeClr>
-          </a:lnRef>
-          <a:fillRef idx="1">
-            <a:schemeClr val="accent1"/>
-          </a:fillRef>
-          <a:effectRef idx="0">
-            <a:schemeClr val="accent1"/>
-          </a:effectRef>
-          <a:fontRef idx="minor">
-            <a:schemeClr val="lt1"/>
-          </a:fontRef>
-        </p:style>
-        <p:txBody>
-          <a:bodyPr rtlCol="0" anchor="ctr"/>
-          <a:lstStyle/>
-          <a:p>
-            <a:pPr algn="ctr"/>
-            <a:r>
-              <a:rPr lang="en-US"/>
-              <a:t>SEE THE STATISTICAL DATA OF INTERVIEWERS</a:t>
-            </a:r>
-            <a:endParaRPr lang="en-GB"/>
-          </a:p>
-        </p:txBody>
-      </p:sp>
-      <p:sp>
-        <p:nvSpPr>
-          <p:cNvPr id="8" name="Rectangle: Rounded Corners 7">
-            <a:extLst>
-              <a:ext uri="{FF2B5EF4-FFF2-40B4-BE49-F238E27FC236}">
-                <a16:creationId xmlns:a16="http://schemas.microsoft.com/office/drawing/2014/main" id="{DE795780-DE7B-9F42-9EDF-A3D8F5A3B047}"/>
-              </a:ext>
-            </a:extLst>
-          </p:cNvPr>
-          <p:cNvSpPr/>
-          <p:nvPr/>
-        </p:nvSpPr>
-        <p:spPr>
-          <a:xfrm>
-            <a:off x="6247768" y="4392034"/>
-            <a:ext cx="2997085" cy="1046396"/>
-          </a:xfrm>
-          <a:prstGeom prst="roundRect">
-            <a:avLst/>
-          </a:prstGeom>
-          <a:solidFill>
-            <a:srgbClr val="7030A0"/>
-          </a:solidFill>
-        </p:spPr>
-        <p:style>
-          <a:lnRef idx="2">
-            <a:schemeClr val="accent1">
-              <a:shade val="50000"/>
-            </a:schemeClr>
-          </a:lnRef>
-          <a:fillRef idx="1">
-            <a:schemeClr val="accent1"/>
-          </a:fillRef>
-          <a:effectRef idx="0">
-            <a:schemeClr val="accent1"/>
-          </a:effectRef>
-          <a:fontRef idx="minor">
-            <a:schemeClr val="lt1"/>
-          </a:fontRef>
-        </p:style>
-        <p:txBody>
-          <a:bodyPr rtlCol="0" anchor="ctr"/>
-          <a:lstStyle/>
-          <a:p>
-            <a:pPr algn="ctr"/>
-            <a:r>
-              <a:rPr lang="en-US"/>
-              <a:t>LOG OUT</a:t>
-            </a:r>
-          </a:p>
-        </p:txBody>
-      </p:sp>
-      <p:cxnSp>
-        <p:nvCxnSpPr>
-          <p:cNvPr id="9" name="Straight Arrow Connector 8">
-            <a:extLst>
-              <a:ext uri="{FF2B5EF4-FFF2-40B4-BE49-F238E27FC236}">
-                <a16:creationId xmlns:a16="http://schemas.microsoft.com/office/drawing/2014/main" id="{80A236A7-9664-B84F-B795-6EE01E1C9DE5}"/>
-              </a:ext>
-            </a:extLst>
-          </p:cNvPr>
-          <p:cNvCxnSpPr>
-            <a:cxnSpLocks/>
-          </p:cNvCxnSpPr>
-          <p:nvPr/>
-        </p:nvCxnSpPr>
-        <p:spPr>
-          <a:xfrm>
-            <a:off x="2829858" y="2134336"/>
-            <a:ext cx="1339577" cy="12802"/>
-          </a:xfrm>
-          <a:prstGeom prst="straightConnector1">
-            <a:avLst/>
-          </a:prstGeom>
-          <a:ln>
-            <a:tailEnd type="triangle"/>
-          </a:ln>
-        </p:spPr>
-        <p:style>
-          <a:lnRef idx="1">
-            <a:schemeClr val="accent1"/>
-          </a:lnRef>
-          <a:fillRef idx="0">
-            <a:schemeClr val="accent1"/>
-          </a:fillRef>
-          <a:effectRef idx="0">
-            <a:schemeClr val="accent1"/>
-          </a:effectRef>
-          <a:fontRef idx="minor">
-            <a:schemeClr val="tx1"/>
-          </a:fontRef>
-        </p:style>
-      </p:cxnSp>
-      <p:cxnSp>
-        <p:nvCxnSpPr>
-          <p:cNvPr id="14" name="Straight Arrow Connector 13">
-            <a:extLst>
-              <a:ext uri="{FF2B5EF4-FFF2-40B4-BE49-F238E27FC236}">
-                <a16:creationId xmlns:a16="http://schemas.microsoft.com/office/drawing/2014/main" id="{2288EEA4-5A1E-4246-8933-B259F4651ADA}"/>
-              </a:ext>
-            </a:extLst>
-          </p:cNvPr>
-          <p:cNvCxnSpPr>
-            <a:cxnSpLocks/>
-          </p:cNvCxnSpPr>
-          <p:nvPr/>
-        </p:nvCxnSpPr>
-        <p:spPr>
-          <a:xfrm>
-            <a:off x="7620000" y="2184861"/>
-            <a:ext cx="686145" cy="15090"/>
-          </a:xfrm>
-          <a:prstGeom prst="straightConnector1">
-            <a:avLst/>
-          </a:prstGeom>
-          <a:ln>
-            <a:tailEnd type="triangle"/>
-          </a:ln>
-        </p:spPr>
-        <p:style>
-          <a:lnRef idx="1">
-            <a:schemeClr val="accent1"/>
-          </a:lnRef>
-          <a:fillRef idx="0">
-            <a:schemeClr val="accent1"/>
-          </a:fillRef>
-          <a:effectRef idx="0">
-            <a:schemeClr val="accent1"/>
-          </a:effectRef>
-          <a:fontRef idx="minor">
-            <a:schemeClr val="tx1"/>
-          </a:fontRef>
-        </p:style>
-      </p:cxnSp>
-      <p:cxnSp>
-        <p:nvCxnSpPr>
-          <p:cNvPr id="10" name="Straight Arrow Connector 9">
-            <a:extLst>
-              <a:ext uri="{FF2B5EF4-FFF2-40B4-BE49-F238E27FC236}">
-                <a16:creationId xmlns:a16="http://schemas.microsoft.com/office/drawing/2014/main" id="{AFB0D84B-C824-7725-5CCC-BB0F23A55408}"/>
-              </a:ext>
-            </a:extLst>
-          </p:cNvPr>
-          <p:cNvCxnSpPr/>
-          <p:nvPr/>
-        </p:nvCxnSpPr>
-        <p:spPr>
-          <a:xfrm>
-            <a:off x="10565393" y="2692650"/>
-            <a:ext cx="22634" cy="2187921"/>
-          </a:xfrm>
-          <a:prstGeom prst="straightConnector1">
-            <a:avLst/>
-          </a:prstGeom>
-        </p:spPr>
-        <p:style>
-          <a:lnRef idx="1">
-            <a:schemeClr val="accent1"/>
-          </a:lnRef>
-          <a:fillRef idx="0">
-            <a:schemeClr val="accent1"/>
-          </a:fillRef>
-          <a:effectRef idx="0">
-            <a:schemeClr val="accent1"/>
-          </a:effectRef>
-          <a:fontRef idx="minor">
-            <a:schemeClr val="tx1"/>
-          </a:fontRef>
-        </p:style>
-      </p:cxnSp>
-      <p:cxnSp>
-        <p:nvCxnSpPr>
-          <p:cNvPr id="11" name="Straight Arrow Connector 10">
-            <a:extLst>
-              <a:ext uri="{FF2B5EF4-FFF2-40B4-BE49-F238E27FC236}">
-                <a16:creationId xmlns:a16="http://schemas.microsoft.com/office/drawing/2014/main" id="{AB3AD2AC-48ED-0C0A-5C8D-61933CA7CE08}"/>
-              </a:ext>
-            </a:extLst>
-          </p:cNvPr>
-          <p:cNvCxnSpPr/>
-          <p:nvPr/>
-        </p:nvCxnSpPr>
-        <p:spPr>
-          <a:xfrm flipH="1">
-            <a:off x="9249061" y="4869632"/>
-            <a:ext cx="1318788" cy="1510"/>
-          </a:xfrm>
-          <a:prstGeom prst="straightConnector1">
-            <a:avLst/>
-          </a:prstGeom>
-          <a:ln>
-            <a:tailEnd type="triangle"/>
-          </a:ln>
-        </p:spPr>
-        <p:style>
-          <a:lnRef idx="1">
-            <a:schemeClr val="accent1"/>
-          </a:lnRef>
-          <a:fillRef idx="0">
-            <a:schemeClr val="accent1"/>
-          </a:fillRef>
-          <a:effectRef idx="0">
-            <a:schemeClr val="accent1"/>
-          </a:effectRef>
-          <a:fontRef idx="minor">
-            <a:schemeClr val="tx1"/>
-          </a:fontRef>
-        </p:style>
-      </p:cxnSp>
-    </p:spTree>
-    <p:extLst>
-      <p:ext uri="{BB962C8B-B14F-4D97-AF65-F5344CB8AC3E}">
-        <p14:creationId xmlns:p14="http://schemas.microsoft.com/office/powerpoint/2010/main" val="2918643661"/>
-      </p:ext>
-    </p:extLst>
-  </p:cSld>
-  <p:clrMapOvr>
-    <a:masterClrMapping/>
-  </p:clrMapOvr>
-  <p:transition spd="slow">
-    <p:wipe/>
-  </p:transition>
-</p:sld>
-</file>
-
-<file path=ppt/slides/slide4.xml><?xml version="1.0" encoding="utf-8"?>
-<p:sld xmlns:a="http://schemas.openxmlformats.org/drawingml/2006/main" xmlns:r="http://schemas.openxmlformats.org/officeDocument/2006/relationships" xmlns:p="http://schemas.openxmlformats.org/presentationml/2006/main">
-  <p:cSld>
-    <p:spTree>
-      <p:nvGrpSpPr>
-        <p:cNvPr id="1" name=""/>
-        <p:cNvGrpSpPr/>
-        <p:nvPr/>
-      </p:nvGrpSpPr>
-      <p:grpSpPr>
-        <a:xfrm>
-          <a:off x="0" y="0"/>
-          <a:ext cx="0" cy="0"/>
-          <a:chOff x="0" y="0"/>
-          <a:chExt cx="0" cy="0"/>
-        </a:xfrm>
-      </p:grpSpPr>
-      <p:sp>
-        <p:nvSpPr>
-          <p:cNvPr id="2" name="Title 1"/>
-          <p:cNvSpPr>
-            <a:spLocks noGrp="1"/>
-          </p:cNvSpPr>
-          <p:nvPr>
-            <p:ph type="title"/>
-          </p:nvPr>
-        </p:nvSpPr>
-        <p:spPr>
-          <a:xfrm>
-            <a:off x="534197" y="609626"/>
-            <a:ext cx="10645935" cy="497791"/>
-          </a:xfrm>
-        </p:spPr>
-        <p:txBody>
-          <a:bodyPr/>
-          <a:lstStyle/>
-          <a:p>
-            <a:r>
-              <a:rPr lang="en-US" sz="2900" dirty="0">
-                <a:latin typeface="Calibri"/>
-                <a:cs typeface="Calibri"/>
-              </a:rPr>
-              <a:t>Talent </a:t>
-            </a:r>
-            <a:r>
-              <a:rPr lang="en-US" sz="2900">
-                <a:latin typeface="Calibri"/>
-                <a:cs typeface="Calibri"/>
-              </a:rPr>
-              <a:t>Acquistion coordinator Flow </a:t>
-            </a:r>
-            <a:r>
-              <a:rPr lang="en-US" sz="2900" dirty="0">
-                <a:latin typeface="Calibri"/>
-                <a:cs typeface="Calibri"/>
-              </a:rPr>
-              <a:t>:</a:t>
-            </a:r>
-            <a:endParaRPr lang="en-US" sz="2933" dirty="0"/>
-          </a:p>
-        </p:txBody>
-      </p:sp>
-      <p:sp>
-        <p:nvSpPr>
-          <p:cNvPr id="6" name="Content Placeholder 2">
-            <a:extLst>
-              <a:ext uri="{FF2B5EF4-FFF2-40B4-BE49-F238E27FC236}">
-                <a16:creationId xmlns:a16="http://schemas.microsoft.com/office/drawing/2014/main" id="{98FB0418-E780-EE4D-BEE1-3E357C171D43}"/>
-              </a:ext>
-            </a:extLst>
-          </p:cNvPr>
-          <p:cNvSpPr txBox="1">
-            <a:spLocks/>
-          </p:cNvSpPr>
-          <p:nvPr/>
-        </p:nvSpPr>
-        <p:spPr>
-          <a:xfrm>
-            <a:off x="3543646" y="1683941"/>
-            <a:ext cx="7429154" cy="3446525"/>
+            <a:off x="1723047" y="1142116"/>
+            <a:ext cx="7333786" cy="4964244"/>
           </a:xfrm>
           <a:prstGeom prst="rect">
             <a:avLst/>
           </a:prstGeom>
         </p:spPr>
-        <p:txBody>
-          <a:bodyPr anchor="ctr">
-            <a:normAutofit/>
-          </a:bodyPr>
-          <a:lstStyle>
-            <a:lvl1pPr marL="340139" indent="-340139" algn="l" defTabSz="1360557" rtl="0" eaLnBrk="1" latinLnBrk="0" hangingPunct="1">
-              <a:lnSpc>
-                <a:spcPct val="90000"/>
-              </a:lnSpc>
-              <a:spcBef>
-                <a:spcPts val="1488"/>
-              </a:spcBef>
-              <a:buFont typeface="Arial" panose="020B0604020202020204" pitchFamily="34" charset="0"/>
-              <a:buChar char="•"/>
-              <a:defRPr sz="4100" kern="1200">
-                <a:solidFill>
-                  <a:schemeClr val="tx1"/>
-                </a:solidFill>
-                <a:latin typeface="+mn-lt"/>
-                <a:ea typeface="+mn-ea"/>
-                <a:cs typeface="+mn-cs"/>
-              </a:defRPr>
-            </a:lvl1pPr>
-            <a:lvl2pPr marL="1020418" indent="-340139" algn="l" defTabSz="1360557" rtl="0" eaLnBrk="1" latinLnBrk="0" hangingPunct="1">
-              <a:lnSpc>
-                <a:spcPct val="90000"/>
-              </a:lnSpc>
-              <a:spcBef>
-                <a:spcPts val="744"/>
-              </a:spcBef>
-              <a:buFont typeface="Arial" panose="020B0604020202020204" pitchFamily="34" charset="0"/>
-              <a:buChar char="•"/>
-              <a:defRPr sz="3600" kern="1200">
-                <a:solidFill>
-                  <a:schemeClr val="tx1"/>
-                </a:solidFill>
-                <a:latin typeface="+mn-lt"/>
-                <a:ea typeface="+mn-ea"/>
-                <a:cs typeface="+mn-cs"/>
-              </a:defRPr>
-            </a:lvl2pPr>
-            <a:lvl3pPr marL="1700696" indent="-340139" algn="l" defTabSz="1360557" rtl="0" eaLnBrk="1" latinLnBrk="0" hangingPunct="1">
-              <a:lnSpc>
-                <a:spcPct val="90000"/>
-              </a:lnSpc>
-              <a:spcBef>
-                <a:spcPts val="744"/>
-              </a:spcBef>
-              <a:buFont typeface="Arial" panose="020B0604020202020204" pitchFamily="34" charset="0"/>
-              <a:buChar char="•"/>
-              <a:defRPr sz="3000" kern="1200">
-                <a:solidFill>
-                  <a:schemeClr val="tx1"/>
-                </a:solidFill>
-                <a:latin typeface="+mn-lt"/>
-                <a:ea typeface="+mn-ea"/>
-                <a:cs typeface="+mn-cs"/>
-              </a:defRPr>
-            </a:lvl3pPr>
-            <a:lvl4pPr marL="2380974" indent="-340139" algn="l" defTabSz="1360557" rtl="0" eaLnBrk="1" latinLnBrk="0" hangingPunct="1">
-              <a:lnSpc>
-                <a:spcPct val="90000"/>
-              </a:lnSpc>
-              <a:spcBef>
-                <a:spcPts val="744"/>
-              </a:spcBef>
-              <a:buFont typeface="Arial" panose="020B0604020202020204" pitchFamily="34" charset="0"/>
-              <a:buChar char="•"/>
-              <a:defRPr sz="2700" kern="1200">
-                <a:solidFill>
-                  <a:schemeClr val="tx1"/>
-                </a:solidFill>
-                <a:latin typeface="+mn-lt"/>
-                <a:ea typeface="+mn-ea"/>
-                <a:cs typeface="+mn-cs"/>
-              </a:defRPr>
-            </a:lvl4pPr>
-            <a:lvl5pPr marL="3061253" indent="-340139" algn="l" defTabSz="1360557" rtl="0" eaLnBrk="1" latinLnBrk="0" hangingPunct="1">
-              <a:lnSpc>
-                <a:spcPct val="90000"/>
-              </a:lnSpc>
-              <a:spcBef>
-                <a:spcPts val="744"/>
-              </a:spcBef>
-              <a:buFont typeface="Arial" panose="020B0604020202020204" pitchFamily="34" charset="0"/>
-              <a:buChar char="•"/>
-              <a:defRPr sz="2700" kern="1200">
-                <a:solidFill>
-                  <a:schemeClr val="tx1"/>
-                </a:solidFill>
-                <a:latin typeface="+mn-lt"/>
-                <a:ea typeface="+mn-ea"/>
-                <a:cs typeface="+mn-cs"/>
-              </a:defRPr>
-            </a:lvl5pPr>
-            <a:lvl6pPr marL="3741531" indent="-340139" algn="l" defTabSz="1360557" rtl="0" eaLnBrk="1" latinLnBrk="0" hangingPunct="1">
-              <a:lnSpc>
-                <a:spcPct val="90000"/>
-              </a:lnSpc>
-              <a:spcBef>
-                <a:spcPts val="744"/>
-              </a:spcBef>
-              <a:buFont typeface="Arial" panose="020B0604020202020204" pitchFamily="34" charset="0"/>
-              <a:buChar char="•"/>
-              <a:defRPr sz="2700" kern="1200">
-                <a:solidFill>
-                  <a:schemeClr val="tx1"/>
-                </a:solidFill>
-                <a:latin typeface="+mn-lt"/>
-                <a:ea typeface="+mn-ea"/>
-                <a:cs typeface="+mn-cs"/>
-              </a:defRPr>
-            </a:lvl6pPr>
-            <a:lvl7pPr marL="4421811" indent="-340139" algn="l" defTabSz="1360557" rtl="0" eaLnBrk="1" latinLnBrk="0" hangingPunct="1">
-              <a:lnSpc>
-                <a:spcPct val="90000"/>
-              </a:lnSpc>
-              <a:spcBef>
-                <a:spcPts val="744"/>
-              </a:spcBef>
-              <a:buFont typeface="Arial" panose="020B0604020202020204" pitchFamily="34" charset="0"/>
-              <a:buChar char="•"/>
-              <a:defRPr sz="2700" kern="1200">
-                <a:solidFill>
-                  <a:schemeClr val="tx1"/>
-                </a:solidFill>
-                <a:latin typeface="+mn-lt"/>
-                <a:ea typeface="+mn-ea"/>
-                <a:cs typeface="+mn-cs"/>
-              </a:defRPr>
-            </a:lvl7pPr>
-            <a:lvl8pPr marL="5102089" indent="-340139" algn="l" defTabSz="1360557" rtl="0" eaLnBrk="1" latinLnBrk="0" hangingPunct="1">
-              <a:lnSpc>
-                <a:spcPct val="90000"/>
-              </a:lnSpc>
-              <a:spcBef>
-                <a:spcPts val="744"/>
-              </a:spcBef>
-              <a:buFont typeface="Arial" panose="020B0604020202020204" pitchFamily="34" charset="0"/>
-              <a:buChar char="•"/>
-              <a:defRPr sz="2700" kern="1200">
-                <a:solidFill>
-                  <a:schemeClr val="tx1"/>
-                </a:solidFill>
-                <a:latin typeface="+mn-lt"/>
-                <a:ea typeface="+mn-ea"/>
-                <a:cs typeface="+mn-cs"/>
-              </a:defRPr>
-            </a:lvl8pPr>
-            <a:lvl9pPr marL="5782367" indent="-340139" algn="l" defTabSz="1360557" rtl="0" eaLnBrk="1" latinLnBrk="0" hangingPunct="1">
-              <a:lnSpc>
-                <a:spcPct val="90000"/>
-              </a:lnSpc>
-              <a:spcBef>
-                <a:spcPts val="744"/>
-              </a:spcBef>
-              <a:buFont typeface="Arial" panose="020B0604020202020204" pitchFamily="34" charset="0"/>
-              <a:buChar char="•"/>
-              <a:defRPr sz="2700" kern="1200">
-                <a:solidFill>
-                  <a:schemeClr val="tx1"/>
-                </a:solidFill>
-                <a:latin typeface="+mn-lt"/>
-                <a:ea typeface="+mn-ea"/>
-                <a:cs typeface="+mn-cs"/>
-              </a:defRPr>
-            </a:lvl9pPr>
-          </a:lstStyle>
-          <a:p>
-            <a:endParaRPr lang="en-US" sz="1333" dirty="0"/>
-          </a:p>
-        </p:txBody>
-      </p:sp>
-      <p:sp>
-        <p:nvSpPr>
-          <p:cNvPr id="4" name="Rectangle: Rounded Corners 3">
-            <a:extLst>
-              <a:ext uri="{FF2B5EF4-FFF2-40B4-BE49-F238E27FC236}">
-                <a16:creationId xmlns:a16="http://schemas.microsoft.com/office/drawing/2014/main" id="{E3EA9282-FB73-F8BD-108E-D515661D6A9F}"/>
-              </a:ext>
-            </a:extLst>
-          </p:cNvPr>
-          <p:cNvSpPr/>
-          <p:nvPr/>
-        </p:nvSpPr>
-        <p:spPr>
-          <a:xfrm>
-            <a:off x="6501036" y="4448870"/>
-            <a:ext cx="4845684" cy="1055125"/>
-          </a:xfrm>
-          <a:prstGeom prst="roundRect">
-            <a:avLst/>
-          </a:prstGeom>
-          <a:solidFill>
-            <a:srgbClr val="7030A0"/>
-          </a:solidFill>
-        </p:spPr>
-        <p:style>
-          <a:lnRef idx="2">
-            <a:schemeClr val="accent1">
-              <a:shade val="50000"/>
-            </a:schemeClr>
-          </a:lnRef>
-          <a:fillRef idx="1">
-            <a:schemeClr val="accent1"/>
-          </a:fillRef>
-          <a:effectRef idx="0">
-            <a:schemeClr val="accent1"/>
-          </a:effectRef>
-          <a:fontRef idx="minor">
-            <a:schemeClr val="lt1"/>
-          </a:fontRef>
-        </p:style>
-        <p:txBody>
-          <a:bodyPr rtlCol="0" anchor="ctr"/>
-          <a:lstStyle/>
-          <a:p>
-            <a:pPr algn="ctr"/>
-            <a:r>
-              <a:rPr lang="en-US"/>
-              <a:t>ALLOT THE INTERVIEW FOR THE INTERVIEWERS , WITH CONSIDERATION  OF DEFAULTERS</a:t>
-            </a:r>
-            <a:endParaRPr lang="en-GB"/>
-          </a:p>
-        </p:txBody>
-      </p:sp>
-      <p:sp>
-        <p:nvSpPr>
-          <p:cNvPr id="7" name="Rectangle: Rounded Corners 6">
-            <a:extLst>
-              <a:ext uri="{FF2B5EF4-FFF2-40B4-BE49-F238E27FC236}">
-                <a16:creationId xmlns:a16="http://schemas.microsoft.com/office/drawing/2014/main" id="{222D398A-A1F7-D094-AFE9-EB54093E1153}"/>
-              </a:ext>
-            </a:extLst>
-          </p:cNvPr>
-          <p:cNvSpPr/>
-          <p:nvPr/>
-        </p:nvSpPr>
-        <p:spPr>
-          <a:xfrm>
-            <a:off x="8722485" y="1710149"/>
-            <a:ext cx="2624235" cy="976653"/>
-          </a:xfrm>
-          <a:prstGeom prst="roundRect">
-            <a:avLst/>
-          </a:prstGeom>
-          <a:solidFill>
-            <a:srgbClr val="7030A0"/>
-          </a:solidFill>
-        </p:spPr>
-        <p:style>
-          <a:lnRef idx="2">
-            <a:schemeClr val="accent1">
-              <a:shade val="50000"/>
-            </a:schemeClr>
-          </a:lnRef>
-          <a:fillRef idx="1">
-            <a:schemeClr val="accent1"/>
-          </a:fillRef>
-          <a:effectRef idx="0">
-            <a:schemeClr val="accent1"/>
-          </a:effectRef>
-          <a:fontRef idx="minor">
-            <a:schemeClr val="lt1"/>
-          </a:fontRef>
-        </p:style>
-        <p:txBody>
-          <a:bodyPr rtlCol="0" anchor="ctr"/>
-          <a:lstStyle/>
-          <a:p>
-            <a:pPr algn="ctr"/>
-            <a:r>
-              <a:rPr lang="en-US"/>
-              <a:t>GETTING RESPONSE FROM THE POOL</a:t>
-            </a:r>
-            <a:endParaRPr lang="en-GB"/>
-          </a:p>
-        </p:txBody>
-      </p:sp>
-      <p:sp>
-        <p:nvSpPr>
-          <p:cNvPr id="9" name="Rectangle: Rounded Corners 8">
-            <a:extLst>
-              <a:ext uri="{FF2B5EF4-FFF2-40B4-BE49-F238E27FC236}">
-                <a16:creationId xmlns:a16="http://schemas.microsoft.com/office/drawing/2014/main" id="{BF839C50-5923-0D56-1243-E1750E5A64B3}"/>
-              </a:ext>
-            </a:extLst>
-          </p:cNvPr>
-          <p:cNvSpPr/>
-          <p:nvPr/>
-        </p:nvSpPr>
-        <p:spPr>
-          <a:xfrm>
-            <a:off x="4216781" y="1710149"/>
-            <a:ext cx="3383944" cy="976653"/>
-          </a:xfrm>
-          <a:prstGeom prst="roundRect">
-            <a:avLst/>
-          </a:prstGeom>
-          <a:solidFill>
-            <a:srgbClr val="7030A0"/>
-          </a:solidFill>
-        </p:spPr>
-        <p:style>
-          <a:lnRef idx="2">
-            <a:schemeClr val="accent1">
-              <a:shade val="50000"/>
-            </a:schemeClr>
-          </a:lnRef>
-          <a:fillRef idx="1">
-            <a:schemeClr val="accent1"/>
-          </a:fillRef>
-          <a:effectRef idx="0">
-            <a:schemeClr val="accent1"/>
-          </a:effectRef>
-          <a:fontRef idx="minor">
-            <a:schemeClr val="lt1"/>
-          </a:fontRef>
-        </p:style>
-        <p:txBody>
-          <a:bodyPr rtlCol="0" anchor="ctr"/>
-          <a:lstStyle/>
-          <a:p>
-            <a:pPr algn="ctr"/>
-            <a:r>
-              <a:rPr lang="en-US"/>
-              <a:t>POSTING INTERVIEW NOTIFICATIONS FOR A RELEVENT POOL</a:t>
-            </a:r>
-            <a:endParaRPr lang="en-GB"/>
-          </a:p>
-        </p:txBody>
-      </p:sp>
-      <p:sp>
-        <p:nvSpPr>
-          <p:cNvPr id="10" name="Rectangle: Rounded Corners 9">
-            <a:extLst>
-              <a:ext uri="{FF2B5EF4-FFF2-40B4-BE49-F238E27FC236}">
-                <a16:creationId xmlns:a16="http://schemas.microsoft.com/office/drawing/2014/main" id="{406D4124-9F0A-AE1E-8162-B1E3B49C75E8}"/>
-              </a:ext>
-            </a:extLst>
-          </p:cNvPr>
-          <p:cNvSpPr/>
-          <p:nvPr/>
-        </p:nvSpPr>
-        <p:spPr>
-          <a:xfrm>
-            <a:off x="534197" y="1710149"/>
-            <a:ext cx="2675939" cy="967114"/>
-          </a:xfrm>
-          <a:prstGeom prst="roundRect">
-            <a:avLst/>
-          </a:prstGeom>
-          <a:solidFill>
-            <a:srgbClr val="7030A0"/>
-          </a:solidFill>
-        </p:spPr>
-        <p:style>
-          <a:lnRef idx="2">
-            <a:schemeClr val="accent1">
-              <a:shade val="50000"/>
-            </a:schemeClr>
-          </a:lnRef>
-          <a:fillRef idx="1">
-            <a:schemeClr val="accent1"/>
-          </a:fillRef>
-          <a:effectRef idx="0">
-            <a:schemeClr val="accent1"/>
-          </a:effectRef>
-          <a:fontRef idx="minor">
-            <a:schemeClr val="lt1"/>
-          </a:fontRef>
-        </p:style>
-        <p:txBody>
-          <a:bodyPr rtlCol="0" anchor="ctr"/>
-          <a:lstStyle/>
-          <a:p>
-            <a:pPr algn="ctr"/>
-            <a:r>
-              <a:rPr lang="en-US"/>
-              <a:t>LOGIN </a:t>
-            </a:r>
-            <a:endParaRPr lang="en-GB"/>
-          </a:p>
-        </p:txBody>
-      </p:sp>
-      <p:sp>
-        <p:nvSpPr>
-          <p:cNvPr id="3" name="Rectangle: Rounded Corners 2">
-            <a:extLst>
-              <a:ext uri="{FF2B5EF4-FFF2-40B4-BE49-F238E27FC236}">
-                <a16:creationId xmlns:a16="http://schemas.microsoft.com/office/drawing/2014/main" id="{BF2DBE22-574E-394F-99B3-57EBC225D9B1}"/>
-              </a:ext>
-            </a:extLst>
-          </p:cNvPr>
-          <p:cNvSpPr/>
-          <p:nvPr/>
-        </p:nvSpPr>
-        <p:spPr>
-          <a:xfrm flipH="1">
-            <a:off x="3210135" y="4448869"/>
-            <a:ext cx="2480829" cy="1055125"/>
-          </a:xfrm>
-          <a:prstGeom prst="roundRect">
-            <a:avLst/>
-          </a:prstGeom>
-          <a:solidFill>
-            <a:srgbClr val="7030A0"/>
-          </a:solidFill>
-        </p:spPr>
-        <p:style>
-          <a:lnRef idx="2">
-            <a:schemeClr val="accent1">
-              <a:shade val="50000"/>
-            </a:schemeClr>
-          </a:lnRef>
-          <a:fillRef idx="1">
-            <a:schemeClr val="accent1"/>
-          </a:fillRef>
-          <a:effectRef idx="0">
-            <a:schemeClr val="accent1"/>
-          </a:effectRef>
-          <a:fontRef idx="minor">
-            <a:schemeClr val="lt1"/>
-          </a:fontRef>
-        </p:style>
-        <p:txBody>
-          <a:bodyPr rtlCol="0" anchor="ctr"/>
-          <a:lstStyle/>
-          <a:p>
-            <a:pPr algn="ctr"/>
-            <a:r>
-              <a:rPr lang="en-US"/>
-              <a:t>LOG OUT </a:t>
-            </a:r>
-          </a:p>
-        </p:txBody>
-      </p:sp>
-      <p:cxnSp>
-        <p:nvCxnSpPr>
-          <p:cNvPr id="5" name="Straight Arrow Connector 4">
-            <a:extLst>
-              <a:ext uri="{FF2B5EF4-FFF2-40B4-BE49-F238E27FC236}">
-                <a16:creationId xmlns:a16="http://schemas.microsoft.com/office/drawing/2014/main" id="{89939EA1-D907-984E-B8A3-84583DFFC54A}"/>
-              </a:ext>
-            </a:extLst>
-          </p:cNvPr>
-          <p:cNvCxnSpPr>
-            <a:cxnSpLocks/>
-            <a:stCxn id="10" idx="3"/>
-            <a:endCxn id="9" idx="1"/>
-          </p:cNvCxnSpPr>
-          <p:nvPr/>
-        </p:nvCxnSpPr>
-        <p:spPr>
-          <a:xfrm>
-            <a:off x="3210136" y="2193706"/>
-            <a:ext cx="1006645" cy="4770"/>
-          </a:xfrm>
-          <a:prstGeom prst="straightConnector1">
-            <a:avLst/>
-          </a:prstGeom>
-          <a:ln>
-            <a:tailEnd type="triangle"/>
-          </a:ln>
-        </p:spPr>
-        <p:style>
-          <a:lnRef idx="1">
-            <a:schemeClr val="accent1"/>
-          </a:lnRef>
-          <a:fillRef idx="0">
-            <a:schemeClr val="accent1"/>
-          </a:fillRef>
-          <a:effectRef idx="0">
-            <a:schemeClr val="accent1"/>
-          </a:effectRef>
-          <a:fontRef idx="minor">
-            <a:schemeClr val="tx1"/>
-          </a:fontRef>
-        </p:style>
-      </p:cxnSp>
-      <p:cxnSp>
-        <p:nvCxnSpPr>
-          <p:cNvPr id="17" name="Straight Arrow Connector 16">
-            <a:extLst>
-              <a:ext uri="{FF2B5EF4-FFF2-40B4-BE49-F238E27FC236}">
-                <a16:creationId xmlns:a16="http://schemas.microsoft.com/office/drawing/2014/main" id="{7E61F86A-8FBE-6E48-8BB8-4120EFADD268}"/>
-              </a:ext>
-            </a:extLst>
-          </p:cNvPr>
-          <p:cNvCxnSpPr>
-            <a:cxnSpLocks/>
-            <a:stCxn id="9" idx="3"/>
-            <a:endCxn id="7" idx="1"/>
-          </p:cNvCxnSpPr>
-          <p:nvPr/>
-        </p:nvCxnSpPr>
-        <p:spPr>
-          <a:xfrm>
-            <a:off x="7600725" y="2198476"/>
-            <a:ext cx="1121760" cy="0"/>
-          </a:xfrm>
-          <a:prstGeom prst="straightConnector1">
-            <a:avLst/>
-          </a:prstGeom>
-          <a:ln>
-            <a:tailEnd type="triangle"/>
-          </a:ln>
-        </p:spPr>
-        <p:style>
-          <a:lnRef idx="1">
-            <a:schemeClr val="accent1"/>
-          </a:lnRef>
-          <a:fillRef idx="0">
-            <a:schemeClr val="accent1"/>
-          </a:fillRef>
-          <a:effectRef idx="0">
-            <a:schemeClr val="accent1"/>
-          </a:effectRef>
-          <a:fontRef idx="minor">
-            <a:schemeClr val="tx1"/>
-          </a:fontRef>
-        </p:style>
-      </p:cxnSp>
-      <p:cxnSp>
-        <p:nvCxnSpPr>
-          <p:cNvPr id="21" name="Straight Arrow Connector 20">
-            <a:extLst>
-              <a:ext uri="{FF2B5EF4-FFF2-40B4-BE49-F238E27FC236}">
-                <a16:creationId xmlns:a16="http://schemas.microsoft.com/office/drawing/2014/main" id="{BA6304D5-68C3-104E-B5E6-8120E557F816}"/>
-              </a:ext>
-            </a:extLst>
-          </p:cNvPr>
-          <p:cNvCxnSpPr>
-            <a:cxnSpLocks/>
-            <a:stCxn id="7" idx="2"/>
-          </p:cNvCxnSpPr>
-          <p:nvPr/>
-        </p:nvCxnSpPr>
-        <p:spPr>
-          <a:xfrm>
-            <a:off x="10034603" y="2686802"/>
-            <a:ext cx="0" cy="1762067"/>
-          </a:xfrm>
-          <a:prstGeom prst="straightConnector1">
-            <a:avLst/>
-          </a:prstGeom>
-          <a:ln>
-            <a:tailEnd type="triangle"/>
-          </a:ln>
-        </p:spPr>
-        <p:style>
-          <a:lnRef idx="1">
-            <a:schemeClr val="accent1"/>
-          </a:lnRef>
-          <a:fillRef idx="0">
-            <a:schemeClr val="accent1"/>
-          </a:fillRef>
-          <a:effectRef idx="0">
-            <a:schemeClr val="accent1"/>
-          </a:effectRef>
-          <a:fontRef idx="minor">
-            <a:schemeClr val="tx1"/>
-          </a:fontRef>
-        </p:style>
-      </p:cxnSp>
-      <p:cxnSp>
-        <p:nvCxnSpPr>
-          <p:cNvPr id="28" name="Straight Arrow Connector 27">
-            <a:extLst>
-              <a:ext uri="{FF2B5EF4-FFF2-40B4-BE49-F238E27FC236}">
-                <a16:creationId xmlns:a16="http://schemas.microsoft.com/office/drawing/2014/main" id="{1C82B38B-ACB6-A945-98F5-B53A2E36C9AC}"/>
-              </a:ext>
-            </a:extLst>
-          </p:cNvPr>
-          <p:cNvCxnSpPr>
-            <a:cxnSpLocks/>
-            <a:stCxn id="4" idx="1"/>
-            <a:endCxn id="3" idx="1"/>
-          </p:cNvCxnSpPr>
-          <p:nvPr/>
-        </p:nvCxnSpPr>
-        <p:spPr>
-          <a:xfrm flipH="1" flipV="1">
-            <a:off x="5690964" y="4976432"/>
-            <a:ext cx="810072" cy="1"/>
-          </a:xfrm>
-          <a:prstGeom prst="straightConnector1">
-            <a:avLst/>
-          </a:prstGeom>
-          <a:ln>
-            <a:tailEnd type="triangle"/>
-          </a:ln>
-        </p:spPr>
-        <p:style>
-          <a:lnRef idx="1">
-            <a:schemeClr val="accent1"/>
-          </a:lnRef>
-          <a:fillRef idx="0">
-            <a:schemeClr val="accent1"/>
-          </a:fillRef>
-          <a:effectRef idx="0">
-            <a:schemeClr val="accent1"/>
-          </a:effectRef>
-          <a:fontRef idx="minor">
-            <a:schemeClr val="tx1"/>
-          </a:fontRef>
-        </p:style>
-      </p:cxnSp>
+      </p:pic>
     </p:spTree>
     <p:extLst>
       <p:ext uri="{BB962C8B-B14F-4D97-AF65-F5344CB8AC3E}">
-        <p14:creationId xmlns:p14="http://schemas.microsoft.com/office/powerpoint/2010/main" val="1917251404"/>
+        <p14:creationId xmlns:p14="http://schemas.microsoft.com/office/powerpoint/2010/main" val="2918643661"/>
       </p:ext>
     </p:extLst>
   </p:cSld>
@@ -6874,529 +5733,36 @@
           </a:p>
         </p:txBody>
       </p:sp>
-      <p:sp>
-        <p:nvSpPr>
-          <p:cNvPr id="4" name="Rectangle: Rounded Corners 3">
-            <a:extLst>
-              <a:ext uri="{FF2B5EF4-FFF2-40B4-BE49-F238E27FC236}">
-                <a16:creationId xmlns:a16="http://schemas.microsoft.com/office/drawing/2014/main" id="{0C529B93-F1FC-50C4-E2F6-DDC32144853E}"/>
-              </a:ext>
-            </a:extLst>
-          </p:cNvPr>
-          <p:cNvSpPr/>
+      <p:pic>
+        <p:nvPicPr>
+          <p:cNvPr id="10" name="Picture 11">
+            <a:extLst>
+              <a:ext uri="{FF2B5EF4-FFF2-40B4-BE49-F238E27FC236}">
+                <a16:creationId xmlns:a16="http://schemas.microsoft.com/office/drawing/2014/main" id="{62BF7BC2-4C22-0B08-EEF7-6E2F14708219}"/>
+              </a:ext>
+            </a:extLst>
+          </p:cNvPr>
+          <p:cNvPicPr>
+            <a:picLocks noChangeAspect="1"/>
+          </p:cNvPicPr>
           <p:nvPr/>
-        </p:nvSpPr>
+        </p:nvPicPr>
+        <p:blipFill>
+          <a:blip r:embed="rId2"/>
+          <a:stretch>
+            <a:fillRect/>
+          </a:stretch>
+        </p:blipFill>
         <p:spPr>
           <a:xfrm>
-            <a:off x="8863690" y="4272531"/>
-            <a:ext cx="2551552" cy="948903"/>
+            <a:off x="1205510" y="1217307"/>
+            <a:ext cx="8226709" cy="4614481"/>
           </a:xfrm>
-          <a:prstGeom prst="roundRect">
+          <a:prstGeom prst="rect">
             <a:avLst/>
           </a:prstGeom>
-          <a:solidFill>
-            <a:srgbClr val="7030A0"/>
-          </a:solidFill>
         </p:spPr>
-        <p:style>
-          <a:lnRef idx="2">
-            <a:schemeClr val="accent1">
-              <a:shade val="50000"/>
-            </a:schemeClr>
-          </a:lnRef>
-          <a:fillRef idx="1">
-            <a:schemeClr val="accent1"/>
-          </a:fillRef>
-          <a:effectRef idx="0">
-            <a:schemeClr val="accent1"/>
-          </a:effectRef>
-          <a:fontRef idx="minor">
-            <a:schemeClr val="lt1"/>
-          </a:fontRef>
-        </p:style>
-        <p:txBody>
-          <a:bodyPr rtlCol="0" anchor="ctr"/>
-          <a:lstStyle/>
-          <a:p>
-            <a:pPr algn="ctr"/>
-            <a:r>
-              <a:rPr lang="en-US"/>
-              <a:t>RESPOND THEIR AVAILABILITY/ AVAILABLE SLOTS</a:t>
-            </a:r>
-            <a:endParaRPr lang="en-GB"/>
-          </a:p>
-        </p:txBody>
-      </p:sp>
-      <p:sp>
-        <p:nvSpPr>
-          <p:cNvPr id="5" name="Rectangle: Rounded Corners 4">
-            <a:extLst>
-              <a:ext uri="{FF2B5EF4-FFF2-40B4-BE49-F238E27FC236}">
-                <a16:creationId xmlns:a16="http://schemas.microsoft.com/office/drawing/2014/main" id="{56629C72-78AD-7C66-8178-D6F4DF52CFA4}"/>
-              </a:ext>
-            </a:extLst>
-          </p:cNvPr>
-          <p:cNvSpPr/>
-          <p:nvPr/>
-        </p:nvSpPr>
-        <p:spPr>
-          <a:xfrm>
-            <a:off x="8358859" y="1770150"/>
-            <a:ext cx="2860527" cy="948903"/>
-          </a:xfrm>
-          <a:prstGeom prst="roundRect">
-            <a:avLst/>
-          </a:prstGeom>
-          <a:solidFill>
-            <a:srgbClr val="7030A0"/>
-          </a:solidFill>
-        </p:spPr>
-        <p:style>
-          <a:lnRef idx="2">
-            <a:schemeClr val="accent1">
-              <a:shade val="50000"/>
-            </a:schemeClr>
-          </a:lnRef>
-          <a:fillRef idx="1">
-            <a:schemeClr val="accent1"/>
-          </a:fillRef>
-          <a:effectRef idx="0">
-            <a:schemeClr val="accent1"/>
-          </a:effectRef>
-          <a:fontRef idx="minor">
-            <a:schemeClr val="lt1"/>
-          </a:fontRef>
-        </p:style>
-        <p:txBody>
-          <a:bodyPr rtlCol="0" anchor="ctr"/>
-          <a:lstStyle/>
-          <a:p>
-            <a:pPr algn="ctr"/>
-            <a:r>
-              <a:rPr lang="en-US"/>
-              <a:t>SEE NOTIFICATIONS ON UPCOMING INTERVIEWS </a:t>
-            </a:r>
-            <a:endParaRPr lang="en-GB"/>
-          </a:p>
-        </p:txBody>
-      </p:sp>
-      <p:sp>
-        <p:nvSpPr>
-          <p:cNvPr id="6" name="Rectangle: Rounded Corners 5">
-            <a:extLst>
-              <a:ext uri="{FF2B5EF4-FFF2-40B4-BE49-F238E27FC236}">
-                <a16:creationId xmlns:a16="http://schemas.microsoft.com/office/drawing/2014/main" id="{B826F15D-ACCC-462E-A2EB-99B496F5D28A}"/>
-              </a:ext>
-            </a:extLst>
-          </p:cNvPr>
-          <p:cNvSpPr/>
-          <p:nvPr/>
-        </p:nvSpPr>
-        <p:spPr>
-          <a:xfrm>
-            <a:off x="4529307" y="1770150"/>
-            <a:ext cx="2469057" cy="948904"/>
-          </a:xfrm>
-          <a:prstGeom prst="roundRect">
-            <a:avLst/>
-          </a:prstGeom>
-          <a:solidFill>
-            <a:srgbClr val="7030A0"/>
-          </a:solidFill>
-        </p:spPr>
-        <p:style>
-          <a:lnRef idx="2">
-            <a:schemeClr val="accent1">
-              <a:shade val="50000"/>
-            </a:schemeClr>
-          </a:lnRef>
-          <a:fillRef idx="1">
-            <a:schemeClr val="accent1"/>
-          </a:fillRef>
-          <a:effectRef idx="0">
-            <a:schemeClr val="accent1"/>
-          </a:effectRef>
-          <a:fontRef idx="minor">
-            <a:schemeClr val="lt1"/>
-          </a:fontRef>
-        </p:style>
-        <p:txBody>
-          <a:bodyPr rtlCol="0" anchor="ctr"/>
-          <a:lstStyle/>
-          <a:p>
-            <a:pPr algn="ctr"/>
-            <a:r>
-              <a:rPr lang="en-US"/>
-              <a:t>SEE THEIR INTERVIEWS HISTORY</a:t>
-            </a:r>
-            <a:endParaRPr lang="en-GB"/>
-          </a:p>
-        </p:txBody>
-      </p:sp>
-      <p:sp>
-        <p:nvSpPr>
-          <p:cNvPr id="7" name="Rectangle: Rounded Corners 6">
-            <a:extLst>
-              <a:ext uri="{FF2B5EF4-FFF2-40B4-BE49-F238E27FC236}">
-                <a16:creationId xmlns:a16="http://schemas.microsoft.com/office/drawing/2014/main" id="{4C5EEE02-7FC4-DCBE-291A-2522098445AC}"/>
-              </a:ext>
-            </a:extLst>
-          </p:cNvPr>
-          <p:cNvSpPr/>
-          <p:nvPr/>
-        </p:nvSpPr>
-        <p:spPr>
-          <a:xfrm>
-            <a:off x="869845" y="1734115"/>
-            <a:ext cx="2469057" cy="948903"/>
-          </a:xfrm>
-          <a:prstGeom prst="roundRect">
-            <a:avLst/>
-          </a:prstGeom>
-          <a:solidFill>
-            <a:srgbClr val="7030A0"/>
-          </a:solidFill>
-        </p:spPr>
-        <p:style>
-          <a:lnRef idx="2">
-            <a:schemeClr val="accent1">
-              <a:shade val="50000"/>
-            </a:schemeClr>
-          </a:lnRef>
-          <a:fillRef idx="1">
-            <a:schemeClr val="accent1"/>
-          </a:fillRef>
-          <a:effectRef idx="0">
-            <a:schemeClr val="accent1"/>
-          </a:effectRef>
-          <a:fontRef idx="minor">
-            <a:schemeClr val="lt1"/>
-          </a:fontRef>
-        </p:style>
-        <p:txBody>
-          <a:bodyPr rtlCol="0" anchor="ctr"/>
-          <a:lstStyle/>
-          <a:p>
-            <a:pPr algn="ctr"/>
-            <a:r>
-              <a:rPr lang="en-US"/>
-              <a:t>LOGIN</a:t>
-            </a:r>
-            <a:endParaRPr lang="en-GB"/>
-          </a:p>
-        </p:txBody>
-      </p:sp>
-      <p:sp>
-        <p:nvSpPr>
-          <p:cNvPr id="8" name="Rectangle: Rounded Corners 7">
-            <a:extLst>
-              <a:ext uri="{FF2B5EF4-FFF2-40B4-BE49-F238E27FC236}">
-                <a16:creationId xmlns:a16="http://schemas.microsoft.com/office/drawing/2014/main" id="{7961E355-D410-E847-8D0A-993B7B03A3F6}"/>
-              </a:ext>
-            </a:extLst>
-          </p:cNvPr>
-          <p:cNvSpPr/>
-          <p:nvPr/>
-        </p:nvSpPr>
-        <p:spPr>
-          <a:xfrm>
-            <a:off x="3742446" y="4272532"/>
-            <a:ext cx="4624613" cy="948903"/>
-          </a:xfrm>
-          <a:prstGeom prst="roundRect">
-            <a:avLst/>
-          </a:prstGeom>
-          <a:solidFill>
-            <a:srgbClr val="7030A0"/>
-          </a:solidFill>
-        </p:spPr>
-        <p:style>
-          <a:lnRef idx="2">
-            <a:schemeClr val="accent1">
-              <a:shade val="50000"/>
-            </a:schemeClr>
-          </a:lnRef>
-          <a:fillRef idx="1">
-            <a:schemeClr val="accent1"/>
-          </a:fillRef>
-          <a:effectRef idx="0">
-            <a:schemeClr val="accent1"/>
-          </a:effectRef>
-          <a:fontRef idx="minor">
-            <a:schemeClr val="lt1"/>
-          </a:fontRef>
-        </p:style>
-        <p:txBody>
-          <a:bodyPr rtlCol="0" anchor="ctr"/>
-          <a:lstStyle/>
-          <a:p>
-            <a:pPr algn="ctr"/>
-            <a:r>
-              <a:rPr lang="en-US"/>
-              <a:t>IF THEY CAN’T ABLE TO ATTEND THE INTERVIEW,  THEY POST REASONS FOR NOT ATTENDING</a:t>
-            </a:r>
-          </a:p>
-        </p:txBody>
-      </p:sp>
-      <p:sp>
-        <p:nvSpPr>
-          <p:cNvPr id="9" name="Rectangle: Rounded Corners 8">
-            <a:extLst>
-              <a:ext uri="{FF2B5EF4-FFF2-40B4-BE49-F238E27FC236}">
-                <a16:creationId xmlns:a16="http://schemas.microsoft.com/office/drawing/2014/main" id="{4BF0BD71-F09E-CE41-B285-E02670D23ADB}"/>
-              </a:ext>
-            </a:extLst>
-          </p:cNvPr>
-          <p:cNvSpPr/>
-          <p:nvPr/>
-        </p:nvSpPr>
-        <p:spPr>
-          <a:xfrm>
-            <a:off x="776758" y="4272532"/>
-            <a:ext cx="2469057" cy="948904"/>
-          </a:xfrm>
-          <a:prstGeom prst="roundRect">
-            <a:avLst/>
-          </a:prstGeom>
-          <a:solidFill>
-            <a:srgbClr val="7030A0"/>
-          </a:solidFill>
-        </p:spPr>
-        <p:style>
-          <a:lnRef idx="2">
-            <a:schemeClr val="accent1">
-              <a:shade val="50000"/>
-            </a:schemeClr>
-          </a:lnRef>
-          <a:fillRef idx="1">
-            <a:schemeClr val="accent1"/>
-          </a:fillRef>
-          <a:effectRef idx="0">
-            <a:schemeClr val="accent1"/>
-          </a:effectRef>
-          <a:fontRef idx="minor">
-            <a:schemeClr val="lt1"/>
-          </a:fontRef>
-        </p:style>
-        <p:txBody>
-          <a:bodyPr rtlCol="0" anchor="ctr"/>
-          <a:lstStyle/>
-          <a:p>
-            <a:pPr algn="ctr"/>
-            <a:r>
-              <a:rPr lang="en-US"/>
-              <a:t>LOG OUT </a:t>
-            </a:r>
-          </a:p>
-        </p:txBody>
-      </p:sp>
-      <p:cxnSp>
-        <p:nvCxnSpPr>
-          <p:cNvPr id="23" name="Straight Arrow Connector 22">
-            <a:extLst>
-              <a:ext uri="{FF2B5EF4-FFF2-40B4-BE49-F238E27FC236}">
-                <a16:creationId xmlns:a16="http://schemas.microsoft.com/office/drawing/2014/main" id="{BB5D7668-BD31-094B-A30A-547A0F28BDC7}"/>
-              </a:ext>
-            </a:extLst>
-          </p:cNvPr>
-          <p:cNvCxnSpPr>
-            <a:cxnSpLocks/>
-          </p:cNvCxnSpPr>
-          <p:nvPr/>
-        </p:nvCxnSpPr>
-        <p:spPr>
-          <a:xfrm>
-            <a:off x="10139466" y="2719053"/>
-            <a:ext cx="17146" cy="1514069"/>
-          </a:xfrm>
-          <a:prstGeom prst="straightConnector1">
-            <a:avLst/>
-          </a:prstGeom>
-          <a:ln>
-            <a:tailEnd type="triangle"/>
-          </a:ln>
-        </p:spPr>
-        <p:style>
-          <a:lnRef idx="1">
-            <a:schemeClr val="accent1"/>
-          </a:lnRef>
-          <a:fillRef idx="0">
-            <a:schemeClr val="accent1"/>
-          </a:fillRef>
-          <a:effectRef idx="0">
-            <a:schemeClr val="accent1"/>
-          </a:effectRef>
-          <a:fontRef idx="minor">
-            <a:schemeClr val="tx1"/>
-          </a:fontRef>
-        </p:style>
-      </p:cxnSp>
-      <p:cxnSp>
-        <p:nvCxnSpPr>
-          <p:cNvPr id="29" name="Straight Arrow Connector 28">
-            <a:extLst>
-              <a:ext uri="{FF2B5EF4-FFF2-40B4-BE49-F238E27FC236}">
-                <a16:creationId xmlns:a16="http://schemas.microsoft.com/office/drawing/2014/main" id="{C1AB536E-29E1-B74E-BF91-C8539A3D8337}"/>
-              </a:ext>
-            </a:extLst>
-          </p:cNvPr>
-          <p:cNvCxnSpPr>
-            <a:cxnSpLocks/>
-            <a:stCxn id="4" idx="1"/>
-            <a:endCxn id="8" idx="3"/>
-          </p:cNvCxnSpPr>
-          <p:nvPr/>
-        </p:nvCxnSpPr>
-        <p:spPr>
-          <a:xfrm flipH="1">
-            <a:off x="8367059" y="4746983"/>
-            <a:ext cx="496631" cy="1"/>
-          </a:xfrm>
-          <a:prstGeom prst="straightConnector1">
-            <a:avLst/>
-          </a:prstGeom>
-          <a:ln>
-            <a:tailEnd type="triangle"/>
-          </a:ln>
-        </p:spPr>
-        <p:style>
-          <a:lnRef idx="1">
-            <a:schemeClr val="accent1"/>
-          </a:lnRef>
-          <a:fillRef idx="0">
-            <a:schemeClr val="accent1"/>
-          </a:fillRef>
-          <a:effectRef idx="0">
-            <a:schemeClr val="accent1"/>
-          </a:effectRef>
-          <a:fontRef idx="minor">
-            <a:schemeClr val="tx1"/>
-          </a:fontRef>
-        </p:style>
-      </p:cxnSp>
-      <p:cxnSp>
-        <p:nvCxnSpPr>
-          <p:cNvPr id="36" name="Straight Arrow Connector 35">
-            <a:extLst>
-              <a:ext uri="{FF2B5EF4-FFF2-40B4-BE49-F238E27FC236}">
-                <a16:creationId xmlns:a16="http://schemas.microsoft.com/office/drawing/2014/main" id="{F81E54BF-A962-E34B-9A06-5880570BE4BD}"/>
-              </a:ext>
-            </a:extLst>
-          </p:cNvPr>
-          <p:cNvCxnSpPr>
-            <a:cxnSpLocks/>
-            <a:stCxn id="8" idx="1"/>
-            <a:endCxn id="9" idx="3"/>
-          </p:cNvCxnSpPr>
-          <p:nvPr/>
-        </p:nvCxnSpPr>
-        <p:spPr>
-          <a:xfrm flipH="1">
-            <a:off x="3245815" y="4746984"/>
-            <a:ext cx="496631" cy="0"/>
-          </a:xfrm>
-          <a:prstGeom prst="straightConnector1">
-            <a:avLst/>
-          </a:prstGeom>
-          <a:ln>
-            <a:tailEnd type="triangle"/>
-          </a:ln>
-        </p:spPr>
-        <p:style>
-          <a:lnRef idx="1">
-            <a:schemeClr val="accent1"/>
-          </a:lnRef>
-          <a:fillRef idx="0">
-            <a:schemeClr val="accent1"/>
-          </a:fillRef>
-          <a:effectRef idx="0">
-            <a:schemeClr val="accent1"/>
-          </a:effectRef>
-          <a:fontRef idx="minor">
-            <a:schemeClr val="tx1"/>
-          </a:fontRef>
-        </p:style>
-      </p:cxnSp>
-      <p:cxnSp>
-        <p:nvCxnSpPr>
-          <p:cNvPr id="11" name="Straight Arrow Connector 10">
-            <a:extLst>
-              <a:ext uri="{FF2B5EF4-FFF2-40B4-BE49-F238E27FC236}">
-                <a16:creationId xmlns:a16="http://schemas.microsoft.com/office/drawing/2014/main" id="{9A111F6B-4021-F158-2FBF-51463C4FB718}"/>
-              </a:ext>
-            </a:extLst>
-          </p:cNvPr>
-          <p:cNvCxnSpPr/>
-          <p:nvPr/>
-        </p:nvCxnSpPr>
-        <p:spPr>
-          <a:xfrm>
-            <a:off x="3322622" y="2202255"/>
-            <a:ext cx="1238815" cy="1509"/>
-          </a:xfrm>
-          <a:prstGeom prst="straightConnector1">
-            <a:avLst/>
-          </a:prstGeom>
-          <a:ln>
-            <a:tailEnd type="triangle"/>
-          </a:ln>
-        </p:spPr>
-        <p:style>
-          <a:lnRef idx="1">
-            <a:schemeClr val="accent1"/>
-          </a:lnRef>
-          <a:fillRef idx="0">
-            <a:schemeClr val="accent1"/>
-          </a:fillRef>
-          <a:effectRef idx="0">
-            <a:schemeClr val="accent1"/>
-          </a:effectRef>
-          <a:fontRef idx="minor">
-            <a:schemeClr val="tx1"/>
-          </a:fontRef>
-        </p:style>
-      </p:cxnSp>
-      <p:cxnSp>
-        <p:nvCxnSpPr>
-          <p:cNvPr id="16" name="Straight Arrow Connector 15">
-            <a:extLst>
-              <a:ext uri="{FF2B5EF4-FFF2-40B4-BE49-F238E27FC236}">
-                <a16:creationId xmlns:a16="http://schemas.microsoft.com/office/drawing/2014/main" id="{9D4B80E1-8E57-91E8-C91F-6AE5030A8A1B}"/>
-              </a:ext>
-            </a:extLst>
-          </p:cNvPr>
-          <p:cNvCxnSpPr>
-            <a:cxnSpLocks/>
-          </p:cNvCxnSpPr>
-          <p:nvPr/>
-        </p:nvCxnSpPr>
-        <p:spPr>
-          <a:xfrm flipV="1">
-            <a:off x="7004364" y="2241486"/>
-            <a:ext cx="1351983" cy="6035"/>
-          </a:xfrm>
-          <a:prstGeom prst="straightConnector1">
-            <a:avLst/>
-          </a:prstGeom>
-          <a:ln>
-            <a:tailEnd type="triangle"/>
-          </a:ln>
-        </p:spPr>
-        <p:style>
-          <a:lnRef idx="1">
-            <a:schemeClr val="accent1"/>
-          </a:lnRef>
-          <a:fillRef idx="0">
-            <a:schemeClr val="accent1"/>
-          </a:fillRef>
-          <a:effectRef idx="0">
-            <a:schemeClr val="accent1"/>
-          </a:effectRef>
-          <a:fontRef idx="minor">
-            <a:schemeClr val="tx1"/>
-          </a:fontRef>
-        </p:style>
-      </p:cxnSp>
+      </p:pic>
     </p:spTree>
     <p:extLst>
       <p:ext uri="{BB962C8B-B14F-4D97-AF65-F5344CB8AC3E}">
@@ -7465,13 +5831,13 @@
   <p:clrMapOvr>
     <a:masterClrMapping/>
   </p:clrMapOvr>
-  <mc:AlternateContent xmlns:mc="http://schemas.openxmlformats.org/markup-compatibility/2006">
-    <mc:Choice xmlns:p14="http://schemas.microsoft.com/office/powerpoint/2010/main" Requires="p14">
+  <mc:AlternateContent xmlns:mc="http://schemas.openxmlformats.org/markup-compatibility/2006" xmlns:p14="http://schemas.microsoft.com/office/powerpoint/2010/main">
+    <mc:Choice Requires="p14">
       <p:transition spd="med" p14:dur="700">
         <p:fade/>
       </p:transition>
     </mc:Choice>
-    <mc:Fallback>
+    <mc:Fallback xmlns="">
       <p:transition spd="med">
         <p:fade/>
       </p:transition>
